--- a/Defensa_ING. SOFTW.pptx
+++ b/Defensa_ING. SOFTW.pptx
@@ -23,34 +23,34 @@
   <p:notesSz cx="6858000" cy="9144000"/>
   <p:embeddedFontLst>
     <p:embeddedFont>
-      <p:font typeface="Broadway" panose="04040905080B02020502" pitchFamily="82" charset="0"/>
+      <p:font typeface="Baskerville Old Face" panose="02020602080505020303" pitchFamily="18" charset="0"/>
       <p:regular r:id="rId13"/>
     </p:embeddedFont>
     <p:embeddedFont>
-      <p:font typeface="Copperplate Gothic Bold" panose="020E0705020206020404" pitchFamily="34" charset="0"/>
+      <p:font typeface="Broadway" panose="04040905080B02020502" pitchFamily="82" charset="0"/>
       <p:regular r:id="rId14"/>
     </p:embeddedFont>
     <p:embeddedFont>
-      <p:font typeface="Century Gothic" panose="020B0502020202020204" pitchFamily="34" charset="0"/>
+      <p:font typeface="Wingdings 3" panose="05040102010807070707" pitchFamily="18" charset="2"/>
       <p:regular r:id="rId15"/>
-      <p:bold r:id="rId16"/>
-      <p:italic r:id="rId17"/>
-      <p:boldItalic r:id="rId18"/>
     </p:embeddedFont>
     <p:embeddedFont>
-      <p:font typeface="Baskerville Old Face" panose="02020602080505020303" pitchFamily="18" charset="0"/>
-      <p:regular r:id="rId19"/>
+      <p:font typeface="Century Gothic" panose="020B0502020202020204" pitchFamily="34" charset="0"/>
+      <p:regular r:id="rId16"/>
+      <p:bold r:id="rId17"/>
+      <p:italic r:id="rId18"/>
+      <p:boldItalic r:id="rId19"/>
     </p:embeddedFont>
     <p:embeddedFont>
-      <p:font typeface="Wingdings 3" panose="05040102010807070707" pitchFamily="18" charset="2"/>
+      <p:font typeface="Britannic Bold" panose="020B0903060703020204" pitchFamily="34" charset="0"/>
       <p:regular r:id="rId20"/>
     </p:embeddedFont>
     <p:embeddedFont>
-      <p:font typeface="Arial Unicode MS" panose="020B0604020202020204" pitchFamily="34" charset="-128"/>
+      <p:font typeface="Arial Unicode MS" panose="020B0604020202020204" charset="-128"/>
       <p:regular r:id="rId21"/>
     </p:embeddedFont>
     <p:embeddedFont>
-      <p:font typeface="Britannic Bold" panose="020B0903060703020204" pitchFamily="34" charset="0"/>
+      <p:font typeface="Copperplate Gothic Bold" panose="020E0705020206020404" pitchFamily="34" charset="0"/>
       <p:regular r:id="rId22"/>
     </p:embeddedFont>
   </p:embeddedFontLst>
@@ -14487,7 +14487,7 @@
           </p:cNvPicPr>
           <p:nvPr/>
         </p:nvPicPr>
-        <p:blipFill>
+        <p:blipFill rotWithShape="1">
           <a:blip r:embed="rId4">
             <a:extLst>
               <a:ext uri="{28A0092B-C50C-407E-A947-70E740481C1C}">
@@ -14495,18 +14495,23 @@
               </a:ext>
             </a:extLst>
           </a:blip>
-          <a:stretch>
-            <a:fillRect/>
-          </a:stretch>
+          <a:srcRect l="9995" t="11698" r="9828" b="12379"/>
+          <a:stretch/>
         </p:blipFill>
         <p:spPr>
           <a:xfrm>
-            <a:off x="6788260" y="2037175"/>
-            <a:ext cx="3253740" cy="3276600"/>
+            <a:off x="7113494" y="2420471"/>
+            <a:ext cx="3092824" cy="2949341"/>
           </a:xfrm>
           <a:prstGeom prst="rect">
             <a:avLst/>
           </a:prstGeom>
+          <a:ln>
+            <a:noFill/>
+          </a:ln>
+          <a:effectLst>
+            <a:softEdge rad="112500"/>
+          </a:effectLst>
         </p:spPr>
       </p:pic>
       <p:sp>
@@ -16077,8 +16082,8 @@
         </p:blipFill>
         <p:spPr bwMode="auto">
           <a:xfrm>
-            <a:off x="664883" y="4196306"/>
-            <a:ext cx="2607142" cy="2538727"/>
+            <a:off x="652179" y="3685318"/>
+            <a:ext cx="3061346" cy="2981012"/>
           </a:xfrm>
           <a:prstGeom prst="rect">
             <a:avLst/>
@@ -16180,8 +16185,8 @@
         </p:blipFill>
         <p:spPr bwMode="auto">
           <a:xfrm>
-            <a:off x="7743057" y="4310287"/>
-            <a:ext cx="3758277" cy="2185725"/>
+            <a:off x="6305687" y="3685318"/>
+            <a:ext cx="4959082" cy="2884085"/>
           </a:xfrm>
           <a:prstGeom prst="rect">
             <a:avLst/>
@@ -17300,39 +17305,6 @@
           <a:xfrm>
             <a:off x="4235614" y="3294600"/>
             <a:ext cx="3591030" cy="0"/>
-          </a:xfrm>
-          <a:prstGeom prst="straightConnector1">
-            <a:avLst/>
-          </a:prstGeom>
-          <a:ln>
-            <a:tailEnd type="triangle"/>
-          </a:ln>
-        </p:spPr>
-        <p:style>
-          <a:lnRef idx="1">
-            <a:schemeClr val="accent1"/>
-          </a:lnRef>
-          <a:fillRef idx="0">
-            <a:schemeClr val="accent1"/>
-          </a:fillRef>
-          <a:effectRef idx="0">
-            <a:schemeClr val="accent1"/>
-          </a:effectRef>
-          <a:fontRef idx="minor">
-            <a:schemeClr val="tx1"/>
-          </a:fontRef>
-        </p:style>
-      </p:cxnSp>
-      <p:cxnSp>
-        <p:nvCxnSpPr>
-          <p:cNvPr id="14" name="Conector recto de flecha 13"/>
-          <p:cNvCxnSpPr/>
-          <p:nvPr/>
-        </p:nvCxnSpPr>
-        <p:spPr>
-          <a:xfrm>
-            <a:off x="976393" y="1098166"/>
-            <a:ext cx="914400" cy="914400"/>
           </a:xfrm>
           <a:prstGeom prst="straightConnector1">
             <a:avLst/>
@@ -17518,16 +17490,15 @@
           </p:cNvPicPr>
           <p:nvPr/>
         </p:nvPicPr>
-        <p:blipFill>
+        <p:blipFill rotWithShape="1">
           <a:blip r:embed="rId2"/>
-          <a:stretch>
-            <a:fillRect/>
-          </a:stretch>
+          <a:srcRect r="394"/>
+          <a:stretch/>
         </p:blipFill>
         <p:spPr>
           <a:xfrm>
-            <a:off x="1490809" y="2404082"/>
-            <a:ext cx="8831062" cy="4269964"/>
+            <a:off x="1555892" y="2305514"/>
+            <a:ext cx="9026943" cy="4381979"/>
           </a:xfrm>
           <a:prstGeom prst="rect">
             <a:avLst/>
@@ -17587,15 +17558,19 @@
           <a:lstStyle/>
           <a:p>
             <a:r>
-              <a:rPr lang="es-EC" b="1" dirty="0" err="1"/>
-              <a:t>Sprints</a:t>
-            </a:r>
-            <a:r>
-              <a:rPr lang="es-EC" b="1" dirty="0"/>
+              <a:rPr lang="es-EC" b="1" dirty="0" smtClean="0"/>
+              <a:t>Sprint</a:t>
+            </a:r>
+            <a:r>
+              <a:rPr lang="en-US" b="1" dirty="0" smtClean="0"/>
+              <a:t>’s</a:t>
+            </a:r>
+            <a:r>
+              <a:rPr lang="es-EC" b="1" dirty="0" smtClean="0"/>
               <a:t> </a:t>
             </a:r>
             <a:r>
-              <a:rPr lang="es-EC" b="1" dirty="0" err="1" smtClean="0"/>
+              <a:rPr lang="es-EC" b="1" dirty="0" smtClean="0"/>
               <a:t>Backlog</a:t>
             </a:r>
             <a:endParaRPr lang="es-EC" dirty="0"/>
